--- a/Rapport de projet patate.pptx
+++ b/Rapport de projet patate.pptx
@@ -12433,29 +12433,7 @@
                   </a:schemeClr>
                 </a:solidFill>
               </a:rPr>
-              <a:t>Theo </a:t>
-            </a:r>
-            <a:r>
-              <a:rPr lang="fr-FR" dirty="0" err="1">
-                <a:solidFill>
-                  <a:schemeClr val="tx2">
-                    <a:lumMod val="60000"/>
-                    <a:lumOff val="40000"/>
-                  </a:schemeClr>
-                </a:solidFill>
-              </a:rPr>
-              <a:t>Drezen</a:t>
-            </a:r>
-            <a:r>
-              <a:rPr lang="fr-FR" dirty="0">
-                <a:solidFill>
-                  <a:schemeClr val="tx2">
-                    <a:lumMod val="60000"/>
-                    <a:lumOff val="40000"/>
-                  </a:schemeClr>
-                </a:solidFill>
-              </a:rPr>
-              <a:t> Geoffrey </a:t>
+              <a:t>Theo Drezen Geoffrey </a:t>
             </a:r>
             <a:r>
               <a:rPr lang="fr-FR" dirty="0" err="1">
@@ -12630,7 +12608,7 @@
         </p:blipFill>
         <p:spPr bwMode="auto">
           <a:xfrm>
-            <a:off x="1717258" y="1730866"/>
+            <a:off x="1574645" y="4151108"/>
             <a:ext cx="2785906" cy="2244875"/>
           </a:xfrm>
           <a:prstGeom prst="rect">
@@ -12687,7 +12665,7 @@
         </p:blipFill>
         <p:spPr>
           <a:xfrm>
-            <a:off x="1585149" y="4795838"/>
+            <a:off x="4940521" y="4735024"/>
             <a:ext cx="3050125" cy="1660959"/>
           </a:xfrm>
           <a:prstGeom prst="rect">
@@ -13829,6 +13807,30 @@
           </a:p>
         </p:txBody>
       </p:sp>
+      <p:pic>
+        <p:nvPicPr>
+          <p:cNvPr id="8" name="Image 7"/>
+          <p:cNvPicPr>
+            <a:picLocks noChangeAspect="1"/>
+          </p:cNvPicPr>
+          <p:nvPr/>
+        </p:nvPicPr>
+        <p:blipFill>
+          <a:blip r:embed="rId4"/>
+          <a:stretch>
+            <a:fillRect/>
+          </a:stretch>
+        </p:blipFill>
+        <p:spPr>
+          <a:xfrm>
+            <a:off x="283996" y="989901"/>
+            <a:ext cx="4076555" cy="2688945"/>
+          </a:xfrm>
+          <a:prstGeom prst="rect">
+            <a:avLst/>
+          </a:prstGeom>
+        </p:spPr>
+      </p:pic>
     </p:spTree>
     <p:extLst>
       <p:ext uri="{BB962C8B-B14F-4D97-AF65-F5344CB8AC3E}">
@@ -13945,8 +13947,8 @@
         </p:nvSpPr>
         <p:spPr>
           <a:xfrm>
-            <a:off x="2066192" y="4747902"/>
-            <a:ext cx="1160254" cy="369332"/>
+            <a:off x="861575" y="4475285"/>
+            <a:ext cx="3952685" cy="369332"/>
           </a:xfrm>
           <a:prstGeom prst="rect">
             <a:avLst/>
@@ -13961,40 +13963,35 @@
           <a:p>
             <a:r>
               <a:rPr lang="fr-FR" dirty="0"/>
-              <a:t>Circuit RLC</a:t>
+              <a:t>Présence de circuits RLC et de circuits RC</a:t>
             </a:r>
           </a:p>
         </p:txBody>
       </p:sp>
-      <p:sp>
-        <p:nvSpPr>
-          <p:cNvPr id="14" name="ZoneTexte 13"/>
-          <p:cNvSpPr txBox="1"/>
+      <p:pic>
+        <p:nvPicPr>
+          <p:cNvPr id="3" name="Image 2"/>
+          <p:cNvPicPr>
+            <a:picLocks noChangeAspect="1"/>
+          </p:cNvPicPr>
           <p:nvPr/>
-        </p:nvSpPr>
+        </p:nvPicPr>
+        <p:blipFill>
+          <a:blip r:embed="rId4"/>
+          <a:stretch>
+            <a:fillRect/>
+          </a:stretch>
+        </p:blipFill>
         <p:spPr>
           <a:xfrm>
-            <a:off x="7447085" y="4739054"/>
-            <a:ext cx="1074333" cy="369332"/>
+            <a:off x="6228769" y="4562780"/>
+            <a:ext cx="3341337" cy="2061155"/>
           </a:xfrm>
           <a:prstGeom prst="rect">
             <a:avLst/>
           </a:prstGeom>
-          <a:noFill/>
         </p:spPr>
-        <p:txBody>
-          <a:bodyPr wrap="none" rtlCol="0">
-            <a:spAutoFit/>
-          </a:bodyPr>
-          <a:lstStyle/>
-          <a:p>
-            <a:r>
-              <a:rPr lang="fr-FR" dirty="0"/>
-              <a:t>Circuit RC</a:t>
-            </a:r>
-          </a:p>
-        </p:txBody>
-      </p:sp>
+      </p:pic>
     </p:spTree>
     <p:extLst>
       <p:ext uri="{BB962C8B-B14F-4D97-AF65-F5344CB8AC3E}">
